--- a/proseminarium.pptx
+++ b/proseminarium.pptx
@@ -13,9 +13,11 @@
     <p:sldId id="262" r:id="rId7"/>
     <p:sldId id="263" r:id="rId8"/>
     <p:sldId id="264" r:id="rId9"/>
-    <p:sldId id="265" r:id="rId10"/>
-    <p:sldId id="266" r:id="rId11"/>
-    <p:sldId id="258" r:id="rId12"/>
+    <p:sldId id="267" r:id="rId10"/>
+    <p:sldId id="268" r:id="rId11"/>
+    <p:sldId id="265" r:id="rId12"/>
+    <p:sldId id="266" r:id="rId13"/>
+    <p:sldId id="258" r:id="rId14"/>
   </p:sldIdLst>
   <p:sldSz cx="12192000" cy="6858000"/>
   <p:notesSz cx="6858000" cy="9144000"/>
@@ -352,7 +354,7 @@
             <a:fld id="{B61BEF0D-F0BB-DE4B-95CE-6DB70DBA9567}" type="datetimeFigureOut">
               <a:rPr lang="en-US" dirty="0"/>
               <a:pPr/>
-              <a:t>1/31/2022</a:t>
+              <a:t>2/4/2022</a:t>
             </a:fld>
             <a:endParaRPr lang="en-US" dirty="0"/>
           </a:p>
@@ -683,7 +685,7 @@
             <a:fld id="{B61BEF0D-F0BB-DE4B-95CE-6DB70DBA9567}" type="datetimeFigureOut">
               <a:rPr lang="en-US" dirty="0"/>
               <a:pPr/>
-              <a:t>1/31/2022</a:t>
+              <a:t>2/4/2022</a:t>
             </a:fld>
             <a:endParaRPr lang="en-US" dirty="0"/>
           </a:p>
@@ -958,7 +960,7 @@
             <a:fld id="{B61BEF0D-F0BB-DE4B-95CE-6DB70DBA9567}" type="datetimeFigureOut">
               <a:rPr lang="en-US" dirty="0"/>
               <a:pPr/>
-              <a:t>1/31/2022</a:t>
+              <a:t>2/4/2022</a:t>
             </a:fld>
             <a:endParaRPr lang="en-US" dirty="0"/>
           </a:p>
@@ -1523,7 +1525,7 @@
             <a:fld id="{B61BEF0D-F0BB-DE4B-95CE-6DB70DBA9567}" type="datetimeFigureOut">
               <a:rPr lang="en-US" dirty="0"/>
               <a:pPr/>
-              <a:t>1/31/2022</a:t>
+              <a:t>2/4/2022</a:t>
             </a:fld>
             <a:endParaRPr lang="en-US" dirty="0"/>
           </a:p>
@@ -1798,7 +1800,7 @@
             <a:fld id="{B61BEF0D-F0BB-DE4B-95CE-6DB70DBA9567}" type="datetimeFigureOut">
               <a:rPr lang="en-US" dirty="0"/>
               <a:pPr/>
-              <a:t>1/31/2022</a:t>
+              <a:t>2/4/2022</a:t>
             </a:fld>
             <a:endParaRPr lang="en-US" dirty="0"/>
           </a:p>
@@ -2357,7 +2359,7 @@
             <a:fld id="{B61BEF0D-F0BB-DE4B-95CE-6DB70DBA9567}" type="datetimeFigureOut">
               <a:rPr lang="en-US" dirty="0"/>
               <a:pPr/>
-              <a:t>1/31/2022</a:t>
+              <a:t>2/4/2022</a:t>
             </a:fld>
             <a:endParaRPr lang="en-US" dirty="0"/>
           </a:p>
@@ -2681,7 +2683,7 @@
             <a:fld id="{B61BEF0D-F0BB-DE4B-95CE-6DB70DBA9567}" type="datetimeFigureOut">
               <a:rPr lang="en-US" dirty="0"/>
               <a:pPr/>
-              <a:t>1/31/2022</a:t>
+              <a:t>2/4/2022</a:t>
             </a:fld>
             <a:endParaRPr lang="en-US" dirty="0"/>
           </a:p>
@@ -2855,7 +2857,7 @@
             <a:fld id="{B61BEF0D-F0BB-DE4B-95CE-6DB70DBA9567}" type="datetimeFigureOut">
               <a:rPr lang="en-US" dirty="0"/>
               <a:pPr/>
-              <a:t>1/31/2022</a:t>
+              <a:t>2/4/2022</a:t>
             </a:fld>
             <a:endParaRPr lang="en-US" dirty="0"/>
           </a:p>
@@ -3090,7 +3092,7 @@
             <a:fld id="{B61BEF0D-F0BB-DE4B-95CE-6DB70DBA9567}" type="datetimeFigureOut">
               <a:rPr lang="en-US" dirty="0"/>
               <a:pPr/>
-              <a:t>1/31/2022</a:t>
+              <a:t>2/4/2022</a:t>
             </a:fld>
             <a:endParaRPr lang="en-US" dirty="0"/>
           </a:p>
@@ -3287,7 +3289,7 @@
             <a:fld id="{B61BEF0D-F0BB-DE4B-95CE-6DB70DBA9567}" type="datetimeFigureOut">
               <a:rPr lang="en-US" dirty="0"/>
               <a:pPr/>
-              <a:t>1/31/2022</a:t>
+              <a:t>2/4/2022</a:t>
             </a:fld>
             <a:endParaRPr lang="en-US" dirty="0"/>
           </a:p>
@@ -3560,7 +3562,7 @@
             <a:fld id="{B61BEF0D-F0BB-DE4B-95CE-6DB70DBA9567}" type="datetimeFigureOut">
               <a:rPr lang="en-US" dirty="0"/>
               <a:pPr/>
-              <a:t>1/31/2022</a:t>
+              <a:t>2/4/2022</a:t>
             </a:fld>
             <a:endParaRPr lang="en-US" dirty="0"/>
           </a:p>
@@ -3823,7 +3825,7 @@
             <a:fld id="{B61BEF0D-F0BB-DE4B-95CE-6DB70DBA9567}" type="datetimeFigureOut">
               <a:rPr lang="en-US" dirty="0"/>
               <a:pPr/>
-              <a:t>1/31/2022</a:t>
+              <a:t>2/4/2022</a:t>
             </a:fld>
             <a:endParaRPr lang="en-US" dirty="0"/>
           </a:p>
@@ -4194,7 +4196,7 @@
             <a:fld id="{B61BEF0D-F0BB-DE4B-95CE-6DB70DBA9567}" type="datetimeFigureOut">
               <a:rPr lang="en-US" dirty="0"/>
               <a:pPr/>
-              <a:t>1/31/2022</a:t>
+              <a:t>2/4/2022</a:t>
             </a:fld>
             <a:endParaRPr lang="en-US" dirty="0"/>
           </a:p>
@@ -4339,7 +4341,7 @@
             <a:fld id="{B61BEF0D-F0BB-DE4B-95CE-6DB70DBA9567}" type="datetimeFigureOut">
               <a:rPr lang="en-US" dirty="0"/>
               <a:pPr/>
-              <a:t>1/31/2022</a:t>
+              <a:t>2/4/2022</a:t>
             </a:fld>
             <a:endParaRPr lang="en-US" dirty="0"/>
           </a:p>
@@ -4461,7 +4463,7 @@
             <a:fld id="{B61BEF0D-F0BB-DE4B-95CE-6DB70DBA9567}" type="datetimeFigureOut">
               <a:rPr lang="en-US" dirty="0"/>
               <a:pPr/>
-              <a:t>1/31/2022</a:t>
+              <a:t>2/4/2022</a:t>
             </a:fld>
             <a:endParaRPr lang="en-US" dirty="0"/>
           </a:p>
@@ -4743,7 +4745,7 @@
             <a:fld id="{B61BEF0D-F0BB-DE4B-95CE-6DB70DBA9567}" type="datetimeFigureOut">
               <a:rPr lang="en-US" dirty="0"/>
               <a:pPr/>
-              <a:t>1/31/2022</a:t>
+              <a:t>2/4/2022</a:t>
             </a:fld>
             <a:endParaRPr lang="en-US" dirty="0"/>
           </a:p>
@@ -5064,7 +5066,7 @@
             <a:fld id="{B61BEF0D-F0BB-DE4B-95CE-6DB70DBA9567}" type="datetimeFigureOut">
               <a:rPr lang="en-US" dirty="0"/>
               <a:pPr/>
-              <a:t>1/31/2022</a:t>
+              <a:t>2/4/2022</a:t>
             </a:fld>
             <a:endParaRPr lang="en-US" dirty="0"/>
           </a:p>
@@ -5275,7 +5277,7 @@
             <a:fld id="{B61BEF0D-F0BB-DE4B-95CE-6DB70DBA9567}" type="datetimeFigureOut">
               <a:rPr lang="en-US" dirty="0"/>
               <a:pPr/>
-              <a:t>1/31/2022</a:t>
+              <a:t>2/4/2022</a:t>
             </a:fld>
             <a:endParaRPr lang="en-US" dirty="0"/>
           </a:p>
@@ -5806,10 +5808,6 @@
           <a:lstStyle/>
           <a:p>
             <a:r>
-              <a:rPr lang="pl-PL" dirty="0"/>
-              <a:t>Aplikacja webowa </a:t>
-            </a:r>
-            <a:r>
               <a:rPr lang="pl-PL" dirty="0" err="1"/>
               <a:t>xss</a:t>
             </a:r>
@@ -5820,6 +5818,22 @@
             <a:r>
               <a:rPr lang="pl-PL" dirty="0" err="1"/>
               <a:t>fix</a:t>
+            </a:r>
+            <a:r>
+              <a:rPr lang="pl-PL" dirty="0"/>
+              <a:t> + </a:t>
+            </a:r>
+            <a:r>
+              <a:rPr lang="pl-PL" dirty="0" err="1"/>
+              <a:t>sql</a:t>
+            </a:r>
+            <a:r>
+              <a:rPr lang="pl-PL" dirty="0"/>
+              <a:t> </a:t>
+            </a:r>
+            <a:r>
+              <a:rPr lang="pl-PL" dirty="0" err="1"/>
+              <a:t>injection</a:t>
             </a:r>
             <a:r>
               <a:rPr lang="pl-PL" dirty="0"/>
@@ -5915,6 +5929,449 @@
           <p:cNvPr id="2" name="Tytuł 1">
             <a:extLst>
               <a:ext uri="{FF2B5EF4-FFF2-40B4-BE49-F238E27FC236}">
+                <a16:creationId xmlns:a16="http://schemas.microsoft.com/office/drawing/2014/main" id="{0EF37CE4-BF5D-4C23-9795-8C8C3AE03ED0}"/>
+              </a:ext>
+            </a:extLst>
+          </p:cNvPr>
+          <p:cNvSpPr>
+            <a:spLocks noGrp="1"/>
+          </p:cNvSpPr>
+          <p:nvPr>
+            <p:ph type="title"/>
+          </p:nvPr>
+        </p:nvSpPr>
+        <p:spPr>
+          <a:xfrm>
+            <a:off x="668709" y="225040"/>
+            <a:ext cx="10131425" cy="1456267"/>
+          </a:xfrm>
+        </p:spPr>
+        <p:txBody>
+          <a:bodyPr/>
+          <a:lstStyle/>
+          <a:p>
+            <a:r>
+              <a:rPr lang="pl-PL" dirty="0"/>
+              <a:t>Ochrona przed </a:t>
+            </a:r>
+            <a:r>
+              <a:rPr lang="pl-PL" dirty="0" err="1"/>
+              <a:t>sql</a:t>
+            </a:r>
+            <a:r>
+              <a:rPr lang="pl-PL" dirty="0"/>
+              <a:t> </a:t>
+            </a:r>
+            <a:r>
+              <a:rPr lang="pl-PL" dirty="0" err="1"/>
+              <a:t>injection</a:t>
+            </a:r>
+            <a:endParaRPr lang="pl-PL" dirty="0"/>
+          </a:p>
+        </p:txBody>
+      </p:sp>
+      <p:pic>
+        <p:nvPicPr>
+          <p:cNvPr id="5" name="Symbol zastępczy zawartości 4">
+            <a:extLst>
+              <a:ext uri="{FF2B5EF4-FFF2-40B4-BE49-F238E27FC236}">
+                <a16:creationId xmlns:a16="http://schemas.microsoft.com/office/drawing/2014/main" id="{72B1BAAE-FFCF-4586-AB51-CD1C7781A716}"/>
+              </a:ext>
+            </a:extLst>
+          </p:cNvPr>
+          <p:cNvPicPr>
+            <a:picLocks noGrp="1" noChangeAspect="1"/>
+          </p:cNvPicPr>
+          <p:nvPr>
+            <p:ph idx="1"/>
+          </p:nvPr>
+        </p:nvPicPr>
+        <p:blipFill>
+          <a:blip r:embed="rId2"/>
+          <a:stretch>
+            <a:fillRect/>
+          </a:stretch>
+        </p:blipFill>
+        <p:spPr>
+          <a:xfrm>
+            <a:off x="754167" y="4426823"/>
+            <a:ext cx="6081477" cy="1961766"/>
+          </a:xfrm>
+        </p:spPr>
+      </p:pic>
+      <p:pic>
+        <p:nvPicPr>
+          <p:cNvPr id="7" name="Obraz 6">
+            <a:extLst>
+              <a:ext uri="{FF2B5EF4-FFF2-40B4-BE49-F238E27FC236}">
+                <a16:creationId xmlns:a16="http://schemas.microsoft.com/office/drawing/2014/main" id="{B52BA0E1-B32B-439A-B612-C3865BEEAA93}"/>
+              </a:ext>
+            </a:extLst>
+          </p:cNvPr>
+          <p:cNvPicPr>
+            <a:picLocks noChangeAspect="1"/>
+          </p:cNvPicPr>
+          <p:nvPr/>
+        </p:nvPicPr>
+        <p:blipFill>
+          <a:blip r:embed="rId3"/>
+          <a:stretch>
+            <a:fillRect/>
+          </a:stretch>
+        </p:blipFill>
+        <p:spPr>
+          <a:xfrm>
+            <a:off x="754167" y="1505795"/>
+            <a:ext cx="6081477" cy="2596186"/>
+          </a:xfrm>
+          <a:prstGeom prst="rect">
+            <a:avLst/>
+          </a:prstGeom>
+        </p:spPr>
+      </p:pic>
+      <p:sp>
+        <p:nvSpPr>
+          <p:cNvPr id="8" name="pole tekstowe 7">
+            <a:extLst>
+              <a:ext uri="{FF2B5EF4-FFF2-40B4-BE49-F238E27FC236}">
+                <a16:creationId xmlns:a16="http://schemas.microsoft.com/office/drawing/2014/main" id="{AF9D02EF-68DA-40CE-9865-F2E11014118B}"/>
+              </a:ext>
+            </a:extLst>
+          </p:cNvPr>
+          <p:cNvSpPr txBox="1"/>
+          <p:nvPr/>
+        </p:nvSpPr>
+        <p:spPr>
+          <a:xfrm>
+            <a:off x="7093009" y="1615155"/>
+            <a:ext cx="4546363" cy="1754326"/>
+          </a:xfrm>
+          <a:prstGeom prst="rect">
+            <a:avLst/>
+          </a:prstGeom>
+          <a:noFill/>
+        </p:spPr>
+        <p:txBody>
+          <a:bodyPr wrap="square" rtlCol="0">
+            <a:spAutoFit/>
+          </a:bodyPr>
+          <a:lstStyle/>
+          <a:p>
+            <a:r>
+              <a:rPr lang="pl-PL" dirty="0"/>
+              <a:t>Aby się przed tym zabezpieczyć wystarczy w kodzie w miejsce zmiennej wstawić symbol zastępczy czyli pytajnik. Takie zabezpieczenie sprawia, że wartości pobierane z tablicy są mapowane i w razie nieodpowiednich treści konwertowane</a:t>
+            </a:r>
+          </a:p>
+        </p:txBody>
+      </p:sp>
+    </p:spTree>
+    <p:extLst>
+      <p:ext uri="{BB962C8B-B14F-4D97-AF65-F5344CB8AC3E}">
+        <p14:creationId xmlns:p14="http://schemas.microsoft.com/office/powerpoint/2010/main" val="3905164390"/>
+      </p:ext>
+    </p:extLst>
+  </p:cSld>
+  <p:clrMapOvr>
+    <a:masterClrMapping/>
+  </p:clrMapOvr>
+</p:sld>
+</file>
+
+<file path=ppt/slides/slide11.xml><?xml version="1.0" encoding="utf-8"?>
+<p:sld xmlns:a="http://schemas.openxmlformats.org/drawingml/2006/main" xmlns:r="http://schemas.openxmlformats.org/officeDocument/2006/relationships" xmlns:p="http://schemas.openxmlformats.org/presentationml/2006/main">
+  <p:cSld>
+    <p:spTree>
+      <p:nvGrpSpPr>
+        <p:cNvPr id="1" name=""/>
+        <p:cNvGrpSpPr/>
+        <p:nvPr/>
+      </p:nvGrpSpPr>
+      <p:grpSpPr>
+        <a:xfrm>
+          <a:off x="0" y="0"/>
+          <a:ext cx="0" cy="0"/>
+          <a:chOff x="0" y="0"/>
+          <a:chExt cx="0" cy="0"/>
+        </a:xfrm>
+      </p:grpSpPr>
+      <p:sp>
+        <p:nvSpPr>
+          <p:cNvPr id="2" name="Tytuł 1">
+            <a:extLst>
+              <a:ext uri="{FF2B5EF4-FFF2-40B4-BE49-F238E27FC236}">
+                <a16:creationId xmlns:a16="http://schemas.microsoft.com/office/drawing/2014/main" id="{1205B913-3440-4F8D-A224-352A62CF22FC}"/>
+              </a:ext>
+            </a:extLst>
+          </p:cNvPr>
+          <p:cNvSpPr>
+            <a:spLocks noGrp="1"/>
+          </p:cNvSpPr>
+          <p:nvPr>
+            <p:ph type="title"/>
+          </p:nvPr>
+        </p:nvSpPr>
+        <p:spPr/>
+        <p:txBody>
+          <a:bodyPr/>
+          <a:lstStyle/>
+          <a:p>
+            <a:r>
+              <a:rPr lang="pl-PL" dirty="0"/>
+              <a:t>Przechowywanie haseł</a:t>
+            </a:r>
+          </a:p>
+        </p:txBody>
+      </p:sp>
+      <p:sp>
+        <p:nvSpPr>
+          <p:cNvPr id="3" name="Symbol zastępczy zawartości 2">
+            <a:extLst>
+              <a:ext uri="{FF2B5EF4-FFF2-40B4-BE49-F238E27FC236}">
+                <a16:creationId xmlns:a16="http://schemas.microsoft.com/office/drawing/2014/main" id="{248A0963-4490-4550-93BC-74EFBC0E36CC}"/>
+              </a:ext>
+            </a:extLst>
+          </p:cNvPr>
+          <p:cNvSpPr>
+            <a:spLocks noGrp="1"/>
+          </p:cNvSpPr>
+          <p:nvPr>
+            <p:ph idx="1"/>
+          </p:nvPr>
+        </p:nvSpPr>
+        <p:spPr>
+          <a:xfrm>
+            <a:off x="685801" y="2065868"/>
+            <a:ext cx="10131425" cy="1157624"/>
+          </a:xfrm>
+        </p:spPr>
+        <p:txBody>
+          <a:bodyPr/>
+          <a:lstStyle/>
+          <a:p>
+            <a:pPr marL="0" indent="0">
+              <a:buNone/>
+            </a:pPr>
+            <a:r>
+              <a:rPr lang="pl-PL" dirty="0"/>
+              <a:t> Kod sposobu jawnego (niebezpiecznego)</a:t>
+            </a:r>
+          </a:p>
+          <a:p>
+            <a:endParaRPr lang="pl-PL" dirty="0"/>
+          </a:p>
+        </p:txBody>
+      </p:sp>
+      <p:pic>
+        <p:nvPicPr>
+          <p:cNvPr id="5" name="Obraz 4">
+            <a:extLst>
+              <a:ext uri="{FF2B5EF4-FFF2-40B4-BE49-F238E27FC236}">
+                <a16:creationId xmlns:a16="http://schemas.microsoft.com/office/drawing/2014/main" id="{9BAEB3A1-EB77-427A-9825-96BE1207BE33}"/>
+              </a:ext>
+            </a:extLst>
+          </p:cNvPr>
+          <p:cNvPicPr>
+            <a:picLocks noChangeAspect="1"/>
+          </p:cNvPicPr>
+          <p:nvPr/>
+        </p:nvPicPr>
+        <p:blipFill>
+          <a:blip r:embed="rId2"/>
+          <a:stretch>
+            <a:fillRect/>
+          </a:stretch>
+        </p:blipFill>
+        <p:spPr>
+          <a:xfrm>
+            <a:off x="446954" y="2722562"/>
+            <a:ext cx="5388446" cy="1932565"/>
+          </a:xfrm>
+          <a:prstGeom prst="rect">
+            <a:avLst/>
+          </a:prstGeom>
+        </p:spPr>
+      </p:pic>
+      <p:pic>
+        <p:nvPicPr>
+          <p:cNvPr id="7" name="Obraz 6">
+            <a:extLst>
+              <a:ext uri="{FF2B5EF4-FFF2-40B4-BE49-F238E27FC236}">
+                <a16:creationId xmlns:a16="http://schemas.microsoft.com/office/drawing/2014/main" id="{B47413B8-4D77-4FD5-9C46-4BF891957541}"/>
+              </a:ext>
+            </a:extLst>
+          </p:cNvPr>
+          <p:cNvPicPr>
+            <a:picLocks noChangeAspect="1"/>
+          </p:cNvPicPr>
+          <p:nvPr/>
+        </p:nvPicPr>
+        <p:blipFill>
+          <a:blip r:embed="rId3"/>
+          <a:stretch>
+            <a:fillRect/>
+          </a:stretch>
+        </p:blipFill>
+        <p:spPr>
+          <a:xfrm>
+            <a:off x="6277264" y="2722562"/>
+            <a:ext cx="4104409" cy="2052205"/>
+          </a:xfrm>
+          <a:prstGeom prst="rect">
+            <a:avLst/>
+          </a:prstGeom>
+        </p:spPr>
+      </p:pic>
+      <p:sp>
+        <p:nvSpPr>
+          <p:cNvPr id="8" name="pole tekstowe 7">
+            <a:extLst>
+              <a:ext uri="{FF2B5EF4-FFF2-40B4-BE49-F238E27FC236}">
+                <a16:creationId xmlns:a16="http://schemas.microsoft.com/office/drawing/2014/main" id="{7278BB9D-261D-458F-A91D-C57C8CBE75E2}"/>
+              </a:ext>
+            </a:extLst>
+          </p:cNvPr>
+          <p:cNvSpPr txBox="1"/>
+          <p:nvPr/>
+        </p:nvSpPr>
+        <p:spPr>
+          <a:xfrm>
+            <a:off x="6330951" y="2209549"/>
+            <a:ext cx="3519054" cy="369332"/>
+          </a:xfrm>
+          <a:prstGeom prst="rect">
+            <a:avLst/>
+          </a:prstGeom>
+          <a:noFill/>
+        </p:spPr>
+        <p:txBody>
+          <a:bodyPr wrap="square" rtlCol="0">
+            <a:spAutoFit/>
+          </a:bodyPr>
+          <a:lstStyle/>
+          <a:p>
+            <a:r>
+              <a:rPr lang="pl-PL" dirty="0"/>
+              <a:t>Kod </a:t>
+            </a:r>
+            <a:r>
+              <a:rPr lang="pl-PL" dirty="0" err="1"/>
+              <a:t>hashowania</a:t>
+            </a:r>
+            <a:r>
+              <a:rPr lang="pl-PL" dirty="0"/>
+              <a:t> hasła</a:t>
+            </a:r>
+          </a:p>
+        </p:txBody>
+      </p:sp>
+      <p:pic>
+        <p:nvPicPr>
+          <p:cNvPr id="10" name="Obraz 9">
+            <a:extLst>
+              <a:ext uri="{FF2B5EF4-FFF2-40B4-BE49-F238E27FC236}">
+                <a16:creationId xmlns:a16="http://schemas.microsoft.com/office/drawing/2014/main" id="{942A2B34-317E-4916-A522-6615862D3D85}"/>
+              </a:ext>
+            </a:extLst>
+          </p:cNvPr>
+          <p:cNvPicPr>
+            <a:picLocks noChangeAspect="1"/>
+          </p:cNvPicPr>
+          <p:nvPr/>
+        </p:nvPicPr>
+        <p:blipFill>
+          <a:blip r:embed="rId4"/>
+          <a:stretch>
+            <a:fillRect/>
+          </a:stretch>
+        </p:blipFill>
+        <p:spPr>
+          <a:xfrm>
+            <a:off x="446954" y="4918448"/>
+            <a:ext cx="7096125" cy="1143000"/>
+          </a:xfrm>
+          <a:prstGeom prst="rect">
+            <a:avLst/>
+          </a:prstGeom>
+        </p:spPr>
+      </p:pic>
+      <p:sp>
+        <p:nvSpPr>
+          <p:cNvPr id="11" name="pole tekstowe 10">
+            <a:extLst>
+              <a:ext uri="{FF2B5EF4-FFF2-40B4-BE49-F238E27FC236}">
+                <a16:creationId xmlns:a16="http://schemas.microsoft.com/office/drawing/2014/main" id="{F407E3F0-671A-484A-8E22-59FB19DF68E1}"/>
+              </a:ext>
+            </a:extLst>
+          </p:cNvPr>
+          <p:cNvSpPr txBox="1"/>
+          <p:nvPr/>
+        </p:nvSpPr>
+        <p:spPr>
+          <a:xfrm>
+            <a:off x="446954" y="6100391"/>
+            <a:ext cx="10825019" cy="646331"/>
+          </a:xfrm>
+          <a:prstGeom prst="rect">
+            <a:avLst/>
+          </a:prstGeom>
+          <a:noFill/>
+        </p:spPr>
+        <p:txBody>
+          <a:bodyPr wrap="square" rtlCol="0">
+            <a:spAutoFit/>
+          </a:bodyPr>
+          <a:lstStyle/>
+          <a:p>
+            <a:r>
+              <a:rPr lang="pl-PL" dirty="0"/>
+              <a:t>Użytkownik o ID numer 7 przechowuje hasło w bazie w sposób jawny, a pozostałe dwa rekordy posiadają </a:t>
+            </a:r>
+            <a:r>
+              <a:rPr lang="pl-PL" dirty="0" err="1"/>
+              <a:t>zahashowane</a:t>
+            </a:r>
+            <a:r>
+              <a:rPr lang="pl-PL" dirty="0"/>
+              <a:t> hasła</a:t>
+            </a:r>
+          </a:p>
+        </p:txBody>
+      </p:sp>
+    </p:spTree>
+    <p:extLst>
+      <p:ext uri="{BB962C8B-B14F-4D97-AF65-F5344CB8AC3E}">
+        <p14:creationId xmlns:p14="http://schemas.microsoft.com/office/powerpoint/2010/main" val="2283411377"/>
+      </p:ext>
+    </p:extLst>
+  </p:cSld>
+  <p:clrMapOvr>
+    <a:masterClrMapping/>
+  </p:clrMapOvr>
+</p:sld>
+</file>
+
+<file path=ppt/slides/slide12.xml><?xml version="1.0" encoding="utf-8"?>
+<p:sld xmlns:a="http://schemas.openxmlformats.org/drawingml/2006/main" xmlns:r="http://schemas.openxmlformats.org/officeDocument/2006/relationships" xmlns:p="http://schemas.openxmlformats.org/presentationml/2006/main">
+  <p:cSld>
+    <p:spTree>
+      <p:nvGrpSpPr>
+        <p:cNvPr id="1" name=""/>
+        <p:cNvGrpSpPr/>
+        <p:nvPr/>
+      </p:nvGrpSpPr>
+      <p:grpSpPr>
+        <a:xfrm>
+          <a:off x="0" y="0"/>
+          <a:ext cx="0" cy="0"/>
+          <a:chOff x="0" y="0"/>
+          <a:chExt cx="0" cy="0"/>
+        </a:xfrm>
+      </p:grpSpPr>
+      <p:sp>
+        <p:nvSpPr>
+          <p:cNvPr id="2" name="Tytuł 1">
+            <a:extLst>
+              <a:ext uri="{FF2B5EF4-FFF2-40B4-BE49-F238E27FC236}">
                 <a16:creationId xmlns:a16="http://schemas.microsoft.com/office/drawing/2014/main" id="{5219C066-DB76-4902-A550-12CFE91D3498}"/>
               </a:ext>
             </a:extLst>
@@ -6100,7 +6557,7 @@
 </p:sld>
 </file>
 
-<file path=ppt/slides/slide11.xml><?xml version="1.0" encoding="utf-8"?>
+<file path=ppt/slides/slide13.xml><?xml version="1.0" encoding="utf-8"?>
 <p:sld xmlns:a="http://schemas.openxmlformats.org/drawingml/2006/main" xmlns:r="http://schemas.openxmlformats.org/officeDocument/2006/relationships" xmlns:p="http://schemas.openxmlformats.org/presentationml/2006/main">
   <p:cSld>
     <p:spTree>
@@ -7579,7 +8036,7 @@
           <p:cNvPr id="2" name="Tytuł 1">
             <a:extLst>
               <a:ext uri="{FF2B5EF4-FFF2-40B4-BE49-F238E27FC236}">
-                <a16:creationId xmlns:a16="http://schemas.microsoft.com/office/drawing/2014/main" id="{1205B913-3440-4F8D-A224-352A62CF22FC}"/>
+                <a16:creationId xmlns:a16="http://schemas.microsoft.com/office/drawing/2014/main" id="{04AE46C2-B5A4-47CD-B6FB-F1585F58055A}"/>
               </a:ext>
             </a:extLst>
           </p:cNvPr>
@@ -7590,53 +8047,28 @@
             <p:ph type="title"/>
           </p:nvPr>
         </p:nvSpPr>
-        <p:spPr/>
+        <p:spPr>
+          <a:xfrm>
+            <a:off x="583911" y="184727"/>
+            <a:ext cx="10131425" cy="1456267"/>
+          </a:xfrm>
+        </p:spPr>
         <p:txBody>
           <a:bodyPr/>
           <a:lstStyle/>
           <a:p>
             <a:r>
+              <a:rPr lang="pl-PL" dirty="0" err="1"/>
+              <a:t>Sql</a:t>
+            </a:r>
+            <a:r>
               <a:rPr lang="pl-PL" dirty="0"/>
-              <a:t>Przechowywanie haseł</a:t>
-            </a:r>
-          </a:p>
-        </p:txBody>
-      </p:sp>
-      <p:sp>
-        <p:nvSpPr>
-          <p:cNvPr id="3" name="Symbol zastępczy zawartości 2">
-            <a:extLst>
-              <a:ext uri="{FF2B5EF4-FFF2-40B4-BE49-F238E27FC236}">
-                <a16:creationId xmlns:a16="http://schemas.microsoft.com/office/drawing/2014/main" id="{248A0963-4490-4550-93BC-74EFBC0E36CC}"/>
-              </a:ext>
-            </a:extLst>
-          </p:cNvPr>
-          <p:cNvSpPr>
-            <a:spLocks noGrp="1"/>
-          </p:cNvSpPr>
-          <p:nvPr>
-            <p:ph idx="1"/>
-          </p:nvPr>
-        </p:nvSpPr>
-        <p:spPr>
-          <a:xfrm>
-            <a:off x="685801" y="2065868"/>
-            <a:ext cx="10131425" cy="1157624"/>
-          </a:xfrm>
-        </p:spPr>
-        <p:txBody>
-          <a:bodyPr/>
-          <a:lstStyle/>
-          <a:p>
-            <a:pPr marL="0" indent="0">
-              <a:buNone/>
-            </a:pPr>
-            <a:r>
-              <a:rPr lang="pl-PL" dirty="0"/>
-              <a:t> Kod sposobu jawnego (niebezpiecznego)</a:t>
-            </a:r>
-          </a:p>
-          <a:p>
+              <a:t> </a:t>
+            </a:r>
+            <a:r>
+              <a:rPr lang="pl-PL" dirty="0" err="1"/>
+              <a:t>injection</a:t>
+            </a:r>
             <a:endParaRPr lang="pl-PL" dirty="0"/>
           </a:p>
         </p:txBody>
@@ -7646,7 +8078,7 @@
           <p:cNvPr id="5" name="Obraz 4">
             <a:extLst>
               <a:ext uri="{FF2B5EF4-FFF2-40B4-BE49-F238E27FC236}">
-                <a16:creationId xmlns:a16="http://schemas.microsoft.com/office/drawing/2014/main" id="{9BAEB3A1-EB77-427A-9825-96BE1207BE33}"/>
+                <a16:creationId xmlns:a16="http://schemas.microsoft.com/office/drawing/2014/main" id="{3E99E2FB-C746-4FDD-97BB-84F5E02E3ED0}"/>
               </a:ext>
             </a:extLst>
           </p:cNvPr>
@@ -7663,8 +8095,8 @@
         </p:blipFill>
         <p:spPr>
           <a:xfrm>
-            <a:off x="446954" y="2722562"/>
-            <a:ext cx="5388446" cy="1932565"/>
+            <a:off x="583911" y="4753060"/>
+            <a:ext cx="6382787" cy="1920213"/>
           </a:xfrm>
           <a:prstGeom prst="rect">
             <a:avLst/>
@@ -7676,7 +8108,7 @@
           <p:cNvPr id="7" name="Obraz 6">
             <a:extLst>
               <a:ext uri="{FF2B5EF4-FFF2-40B4-BE49-F238E27FC236}">
-                <a16:creationId xmlns:a16="http://schemas.microsoft.com/office/drawing/2014/main" id="{B47413B8-4D77-4FD5-9C46-4BF891957541}"/>
+                <a16:creationId xmlns:a16="http://schemas.microsoft.com/office/drawing/2014/main" id="{1E2499C6-44A6-4158-AC23-20D7E97B4B9B}"/>
               </a:ext>
             </a:extLst>
           </p:cNvPr>
@@ -7693,8 +8125,8 @@
         </p:blipFill>
         <p:spPr>
           <a:xfrm>
-            <a:off x="6277264" y="2722562"/>
-            <a:ext cx="4104409" cy="2052205"/>
+            <a:off x="583911" y="1513223"/>
+            <a:ext cx="6353511" cy="3145687"/>
           </a:xfrm>
           <a:prstGeom prst="rect">
             <a:avLst/>
@@ -7706,7 +8138,7 @@
           <p:cNvPr id="8" name="pole tekstowe 7">
             <a:extLst>
               <a:ext uri="{FF2B5EF4-FFF2-40B4-BE49-F238E27FC236}">
-                <a16:creationId xmlns:a16="http://schemas.microsoft.com/office/drawing/2014/main" id="{7278BB9D-261D-458F-A91D-C57C8CBE75E2}"/>
+                <a16:creationId xmlns:a16="http://schemas.microsoft.com/office/drawing/2014/main" id="{DE3E6871-73CF-469C-A53A-4F3A19C9EC1E}"/>
               </a:ext>
             </a:extLst>
           </p:cNvPr>
@@ -7715,8 +8147,8 @@
         </p:nvSpPr>
         <p:spPr>
           <a:xfrm>
-            <a:off x="6330951" y="2209549"/>
-            <a:ext cx="3519054" cy="369332"/>
+            <a:off x="7130473" y="1513223"/>
+            <a:ext cx="4886036" cy="2031325"/>
           </a:xfrm>
           <a:prstGeom prst="rect">
             <a:avLst/>
@@ -7731,88 +8163,15 @@
           <a:p>
             <a:r>
               <a:rPr lang="pl-PL" dirty="0"/>
-              <a:t>Kod </a:t>
+              <a:t>Gdy użytkownik dostanie dostęp do wpisania wartości, która będzie kodem SQL, istnieje zagrożenie, że gdy nie zabezpieczymy naszego kodu, wykradnie i pobierze wartości z bazy, takie jak nazwa i hasło logowania. Poniższy </a:t>
             </a:r>
             <a:r>
               <a:rPr lang="pl-PL" dirty="0" err="1"/>
-              <a:t>hashowania</a:t>
+              <a:t>screen</a:t>
             </a:r>
             <a:r>
               <a:rPr lang="pl-PL" dirty="0"/>
-              <a:t> hasła</a:t>
-            </a:r>
-          </a:p>
-        </p:txBody>
-      </p:sp>
-      <p:pic>
-        <p:nvPicPr>
-          <p:cNvPr id="10" name="Obraz 9">
-            <a:extLst>
-              <a:ext uri="{FF2B5EF4-FFF2-40B4-BE49-F238E27FC236}">
-                <a16:creationId xmlns:a16="http://schemas.microsoft.com/office/drawing/2014/main" id="{942A2B34-317E-4916-A522-6615862D3D85}"/>
-              </a:ext>
-            </a:extLst>
-          </p:cNvPr>
-          <p:cNvPicPr>
-            <a:picLocks noChangeAspect="1"/>
-          </p:cNvPicPr>
-          <p:nvPr/>
-        </p:nvPicPr>
-        <p:blipFill>
-          <a:blip r:embed="rId4"/>
-          <a:stretch>
-            <a:fillRect/>
-          </a:stretch>
-        </p:blipFill>
-        <p:spPr>
-          <a:xfrm>
-            <a:off x="446954" y="4918448"/>
-            <a:ext cx="7096125" cy="1143000"/>
-          </a:xfrm>
-          <a:prstGeom prst="rect">
-            <a:avLst/>
-          </a:prstGeom>
-        </p:spPr>
-      </p:pic>
-      <p:sp>
-        <p:nvSpPr>
-          <p:cNvPr id="11" name="pole tekstowe 10">
-            <a:extLst>
-              <a:ext uri="{FF2B5EF4-FFF2-40B4-BE49-F238E27FC236}">
-                <a16:creationId xmlns:a16="http://schemas.microsoft.com/office/drawing/2014/main" id="{F407E3F0-671A-484A-8E22-59FB19DF68E1}"/>
-              </a:ext>
-            </a:extLst>
-          </p:cNvPr>
-          <p:cNvSpPr txBox="1"/>
-          <p:nvPr/>
-        </p:nvSpPr>
-        <p:spPr>
-          <a:xfrm>
-            <a:off x="446954" y="6100391"/>
-            <a:ext cx="10825019" cy="646331"/>
-          </a:xfrm>
-          <a:prstGeom prst="rect">
-            <a:avLst/>
-          </a:prstGeom>
-          <a:noFill/>
-        </p:spPr>
-        <p:txBody>
-          <a:bodyPr wrap="square" rtlCol="0">
-            <a:spAutoFit/>
-          </a:bodyPr>
-          <a:lstStyle/>
-          <a:p>
-            <a:r>
-              <a:rPr lang="pl-PL" dirty="0"/>
-              <a:t>Użytkownik o ID numer 7 przechowuje hasło w bazie w sposób jawny, a pozostałe dwa rekordy posiadają </a:t>
-            </a:r>
-            <a:r>
-              <a:rPr lang="pl-PL" dirty="0" err="1"/>
-              <a:t>zahashowane</a:t>
-            </a:r>
-            <a:r>
-              <a:rPr lang="pl-PL" dirty="0"/>
-              <a:t> hasła</a:t>
+              <a:t> obrazuje przykład takiego kodu i ewentualnych konsekwencji.</a:t>
             </a:r>
           </a:p>
         </p:txBody>
@@ -7820,7 +8179,7 @@
     </p:spTree>
     <p:extLst>
       <p:ext uri="{BB962C8B-B14F-4D97-AF65-F5344CB8AC3E}">
-        <p14:creationId xmlns:p14="http://schemas.microsoft.com/office/powerpoint/2010/main" val="2283411377"/>
+        <p14:creationId xmlns:p14="http://schemas.microsoft.com/office/powerpoint/2010/main" val="888808616"/>
       </p:ext>
     </p:extLst>
   </p:cSld>
